--- a/Presentations/02/mdsd2.pptx
+++ b/Presentations/02/mdsd2.pptx
@@ -6000,25 +6000,35 @@
           <a:chExt cx="0" cy="0"/>
         </a:xfrm>
       </p:grpSpPr>
-      <p:sp>
-        <p:nvSpPr>
-          <p:cNvPr id="2" name="Tartalom helye 1"/>
-          <p:cNvSpPr>
-            <a:spLocks noGrp="1"/>
-          </p:cNvSpPr>
+      <p:pic>
+        <p:nvPicPr>
+          <p:cNvPr id="4" name="Tartalom helye 3"/>
+          <p:cNvPicPr>
+            <a:picLocks noGrp="1" noChangeAspect="1"/>
+          </p:cNvPicPr>
           <p:nvPr>
             <p:ph idx="1"/>
           </p:nvPr>
-        </p:nvSpPr>
-        <p:spPr/>
-        <p:txBody>
-          <a:bodyPr/>
-          <a:lstStyle/>
-          <a:p>
-            <a:endParaRPr lang="en-US" dirty="0"/>
-          </a:p>
-        </p:txBody>
-      </p:sp>
+        </p:nvPicPr>
+        <p:blipFill>
+          <a:blip r:embed="rId2">
+            <a:extLst>
+              <a:ext uri="{28A0092B-C50C-407E-A947-70E740481C1C}">
+                <a14:useLocalDpi xmlns:a14="http://schemas.microsoft.com/office/drawing/2010/main" val="0"/>
+              </a:ext>
+            </a:extLst>
+          </a:blip>
+          <a:stretch>
+            <a:fillRect/>
+          </a:stretch>
+        </p:blipFill>
+        <p:spPr>
+          <a:xfrm>
+            <a:off x="142875" y="1377075"/>
+            <a:ext cx="8858250" cy="4489613"/>
+          </a:xfrm>
+        </p:spPr>
+      </p:pic>
       <p:sp>
         <p:nvSpPr>
           <p:cNvPr id="3" name="Cím 2"/>

--- a/Presentations/02/mdsd2.pptx
+++ b/Presentations/02/mdsd2.pptx
@@ -6,20 +6,19 @@
     <p:sldMasterId id="2147483655" r:id="rId2"/>
   </p:sldMasterIdLst>
   <p:notesMasterIdLst>
-    <p:notesMasterId r:id="rId11"/>
+    <p:notesMasterId r:id="rId10"/>
   </p:notesMasterIdLst>
   <p:handoutMasterIdLst>
-    <p:handoutMasterId r:id="rId12"/>
+    <p:handoutMasterId r:id="rId11"/>
   </p:handoutMasterIdLst>
   <p:sldIdLst>
     <p:sldId id="256" r:id="rId3"/>
-    <p:sldId id="257" r:id="rId4"/>
-    <p:sldId id="272" r:id="rId5"/>
-    <p:sldId id="271" r:id="rId6"/>
-    <p:sldId id="273" r:id="rId7"/>
-    <p:sldId id="265" r:id="rId8"/>
-    <p:sldId id="269" r:id="rId9"/>
-    <p:sldId id="274" r:id="rId10"/>
+    <p:sldId id="272" r:id="rId4"/>
+    <p:sldId id="271" r:id="rId5"/>
+    <p:sldId id="273" r:id="rId6"/>
+    <p:sldId id="265" r:id="rId7"/>
+    <p:sldId id="269" r:id="rId8"/>
+    <p:sldId id="274" r:id="rId9"/>
   </p:sldIdLst>
   <p:sldSz cx="9144000" cy="6858000" type="screen4x3"/>
   <p:notesSz cx="6858000" cy="9144000"/>
@@ -802,7 +801,7 @@
     </p:spTree>
     <p:extLst>
       <p:ext uri="{BB962C8B-B14F-4D97-AF65-F5344CB8AC3E}">
-        <p14:creationId xmlns:p14="http://schemas.microsoft.com/office/powerpoint/2010/main" val="831441116"/>
+        <p14:creationId xmlns:p14="http://schemas.microsoft.com/office/powerpoint/2010/main" val="1598788037"/>
       </p:ext>
     </p:extLst>
   </p:cSld>
@@ -863,7 +862,7 @@
     </p:spTree>
     <p:extLst>
       <p:ext uri="{BB962C8B-B14F-4D97-AF65-F5344CB8AC3E}">
-        <p14:creationId xmlns:p14="http://schemas.microsoft.com/office/powerpoint/2010/main" val="1598788037"/>
+        <p14:creationId xmlns:p14="http://schemas.microsoft.com/office/powerpoint/2010/main" val="2414867705"/>
       </p:ext>
     </p:extLst>
   </p:cSld>
@@ -874,67 +873,6 @@
 </file>
 
 <file path=ppt/notesSlides/notesSlide4.xml><?xml version="1.0" encoding="utf-8"?>
-<p:notes xmlns:a="http://schemas.openxmlformats.org/drawingml/2006/main" xmlns:r="http://schemas.openxmlformats.org/officeDocument/2006/relationships" xmlns:p="http://schemas.openxmlformats.org/presentationml/2006/main">
-  <p:cSld>
-    <p:spTree>
-      <p:nvGrpSpPr>
-        <p:cNvPr id="1" name=""/>
-        <p:cNvGrpSpPr/>
-        <p:nvPr/>
-      </p:nvGrpSpPr>
-      <p:grpSpPr>
-        <a:xfrm>
-          <a:off x="0" y="0"/>
-          <a:ext cx="0" cy="0"/>
-          <a:chOff x="0" y="0"/>
-          <a:chExt cx="0" cy="0"/>
-        </a:xfrm>
-      </p:grpSpPr>
-      <p:sp>
-        <p:nvSpPr>
-          <p:cNvPr id="2" name="Slide Image Placeholder 1"/>
-          <p:cNvSpPr>
-            <a:spLocks noGrp="1" noRot="1" noChangeAspect="1"/>
-          </p:cNvSpPr>
-          <p:nvPr>
-            <p:ph type="sldImg"/>
-          </p:nvPr>
-        </p:nvSpPr>
-        <p:spPr/>
-      </p:sp>
-      <p:sp>
-        <p:nvSpPr>
-          <p:cNvPr id="3" name="Notes Placeholder 2"/>
-          <p:cNvSpPr>
-            <a:spLocks noGrp="1"/>
-          </p:cNvSpPr>
-          <p:nvPr>
-            <p:ph type="body" idx="1"/>
-          </p:nvPr>
-        </p:nvSpPr>
-        <p:spPr/>
-        <p:txBody>
-          <a:bodyPr/>
-          <a:lstStyle/>
-          <a:p>
-            <a:endParaRPr lang="en-US" dirty="0"/>
-          </a:p>
-        </p:txBody>
-      </p:sp>
-    </p:spTree>
-    <p:extLst>
-      <p:ext uri="{BB962C8B-B14F-4D97-AF65-F5344CB8AC3E}">
-        <p14:creationId xmlns:p14="http://schemas.microsoft.com/office/powerpoint/2010/main" val="2414867705"/>
-      </p:ext>
-    </p:extLst>
-  </p:cSld>
-  <p:clrMapOvr>
-    <a:masterClrMapping/>
-  </p:clrMapOvr>
-</p:notes>
-</file>
-
-<file path=ppt/notesSlides/notesSlide5.xml><?xml version="1.0" encoding="utf-8"?>
 <p:notes xmlns:a="http://schemas.openxmlformats.org/drawingml/2006/main" xmlns:r="http://schemas.openxmlformats.org/officeDocument/2006/relationships" xmlns:p="http://schemas.openxmlformats.org/presentationml/2006/main">
   <p:cSld>
     <p:spTree>
@@ -5510,15 +5448,7 @@
           <a:p>
             <a:r>
               <a:rPr lang="hu-HU" dirty="0" smtClean="0"/>
-              <a:t>MDSD Házi feladat – </a:t>
-            </a:r>
-            <a:r>
-              <a:rPr lang="hu-HU" dirty="0" smtClean="0"/>
-              <a:t>2. </a:t>
-            </a:r>
-            <a:r>
-              <a:rPr lang="hu-HU" dirty="0" smtClean="0"/>
-              <a:t>beadás</a:t>
+              <a:t>MDSD Házi feladat – 2. beadás</a:t>
             </a:r>
             <a:endParaRPr lang="en-US" dirty="0"/>
           </a:p>
@@ -5582,408 +5512,6 @@
 </file>
 
 <file path=ppt/slides/slide2.xml><?xml version="1.0" encoding="utf-8"?>
-<p:sld xmlns:a="http://schemas.openxmlformats.org/drawingml/2006/main" xmlns:r="http://schemas.openxmlformats.org/officeDocument/2006/relationships" xmlns:p="http://schemas.openxmlformats.org/presentationml/2006/main">
-  <p:cSld>
-    <p:spTree>
-      <p:nvGrpSpPr>
-        <p:cNvPr id="1" name=""/>
-        <p:cNvGrpSpPr/>
-        <p:nvPr/>
-      </p:nvGrpSpPr>
-      <p:grpSpPr>
-        <a:xfrm>
-          <a:off x="0" y="0"/>
-          <a:ext cx="0" cy="0"/>
-          <a:chOff x="0" y="0"/>
-          <a:chExt cx="0" cy="0"/>
-        </a:xfrm>
-      </p:grpSpPr>
-      <p:sp>
-        <p:nvSpPr>
-          <p:cNvPr id="2" name="Cím 1"/>
-          <p:cNvSpPr>
-            <a:spLocks noGrp="1"/>
-          </p:cNvSpPr>
-          <p:nvPr>
-            <p:ph type="title"/>
-          </p:nvPr>
-        </p:nvSpPr>
-        <p:spPr>
-          <a:xfrm>
-            <a:off x="0" y="0"/>
-            <a:ext cx="9144000" cy="720725"/>
-          </a:xfrm>
-        </p:spPr>
-        <p:txBody>
-          <a:bodyPr/>
-          <a:lstStyle/>
-          <a:p>
-            <a:r>
-              <a:rPr lang="hu-HU" dirty="0" err="1" smtClean="0"/>
-              <a:t>Metamodellek</a:t>
-            </a:r>
-            <a:endParaRPr lang="en-US" dirty="0"/>
-          </a:p>
-        </p:txBody>
-      </p:sp>
-      <p:sp>
-        <p:nvSpPr>
-          <p:cNvPr id="5" name="Tartalom helye 4"/>
-          <p:cNvSpPr>
-            <a:spLocks noGrp="1"/>
-          </p:cNvSpPr>
-          <p:nvPr>
-            <p:ph idx="1"/>
-          </p:nvPr>
-        </p:nvSpPr>
-        <p:spPr/>
-        <p:txBody>
-          <a:bodyPr/>
-          <a:lstStyle/>
-          <a:p>
-            <a:endParaRPr lang="en-US" dirty="0"/>
-          </a:p>
-        </p:txBody>
-      </p:sp>
-      <p:sp>
-        <p:nvSpPr>
-          <p:cNvPr id="3" name="Lekerekített téglalap 2"/>
-          <p:cNvSpPr/>
-          <p:nvPr/>
-        </p:nvSpPr>
-        <p:spPr>
-          <a:xfrm>
-            <a:off x="2949191" y="1574569"/>
-            <a:ext cx="3245618" cy="924448"/>
-          </a:xfrm>
-          <a:prstGeom prst="roundRect">
-            <a:avLst/>
-          </a:prstGeom>
-          <a:solidFill>
-            <a:schemeClr val="bg2"/>
-          </a:solidFill>
-          <a:ln w="38100">
-            <a:solidFill>
-              <a:schemeClr val="accent1"/>
-            </a:solidFill>
-          </a:ln>
-          <a:effectLst>
-            <a:outerShdw blurRad="50800" dist="38100" dir="5400000" algn="t" rotWithShape="0">
-              <a:prstClr val="black">
-                <a:alpha val="40000"/>
-              </a:prstClr>
-            </a:outerShdw>
-          </a:effectLst>
-        </p:spPr>
-        <p:style>
-          <a:lnRef idx="2">
-            <a:schemeClr val="accent4">
-              <a:shade val="50000"/>
-            </a:schemeClr>
-          </a:lnRef>
-          <a:fillRef idx="1">
-            <a:schemeClr val="accent4"/>
-          </a:fillRef>
-          <a:effectRef idx="0">
-            <a:schemeClr val="accent4"/>
-          </a:effectRef>
-          <a:fontRef idx="minor">
-            <a:schemeClr val="lt1"/>
-          </a:fontRef>
-        </p:style>
-        <p:txBody>
-          <a:bodyPr rot="0" spcFirstLastPara="0" vertOverflow="overflow" horzOverflow="overflow" vert="horz" wrap="square" lIns="91440" tIns="45720" rIns="91440" bIns="45720" numCol="1" spcCol="0" rtlCol="0" fromWordArt="0" anchor="ctr" anchorCtr="0" forceAA="0" compatLnSpc="1">
-            <a:prstTxWarp prst="textNoShape">
-              <a:avLst/>
-            </a:prstTxWarp>
-            <a:noAutofit/>
-          </a:bodyPr>
-          <a:lstStyle/>
-          <a:p>
-            <a:pPr algn="ctr"/>
-            <a:r>
-              <a:rPr lang="hu-HU" sz="2400" dirty="0" smtClean="0">
-                <a:solidFill>
-                  <a:schemeClr val="tx2"/>
-                </a:solidFill>
-              </a:rPr>
-              <a:t>Strukturális modell</a:t>
-            </a:r>
-            <a:endParaRPr lang="en-US" sz="2400" dirty="0" err="1">
-              <a:solidFill>
-                <a:schemeClr val="tx2"/>
-              </a:solidFill>
-            </a:endParaRPr>
-          </a:p>
-        </p:txBody>
-      </p:sp>
-      <p:sp>
-        <p:nvSpPr>
-          <p:cNvPr id="6" name="Lekerekített téglalap 5"/>
-          <p:cNvSpPr/>
-          <p:nvPr/>
-        </p:nvSpPr>
-        <p:spPr>
-          <a:xfrm>
-            <a:off x="492369" y="5137896"/>
-            <a:ext cx="3245618" cy="924448"/>
-          </a:xfrm>
-          <a:prstGeom prst="roundRect">
-            <a:avLst/>
-          </a:prstGeom>
-          <a:solidFill>
-            <a:schemeClr val="bg2"/>
-          </a:solidFill>
-          <a:ln w="38100">
-            <a:solidFill>
-              <a:schemeClr val="accent1"/>
-            </a:solidFill>
-          </a:ln>
-          <a:effectLst>
-            <a:outerShdw blurRad="50800" dist="38100" dir="5400000" algn="t" rotWithShape="0">
-              <a:prstClr val="black">
-                <a:alpha val="40000"/>
-              </a:prstClr>
-            </a:outerShdw>
-          </a:effectLst>
-        </p:spPr>
-        <p:style>
-          <a:lnRef idx="2">
-            <a:schemeClr val="accent4">
-              <a:shade val="50000"/>
-            </a:schemeClr>
-          </a:lnRef>
-          <a:fillRef idx="1">
-            <a:schemeClr val="accent4"/>
-          </a:fillRef>
-          <a:effectRef idx="0">
-            <a:schemeClr val="accent4"/>
-          </a:effectRef>
-          <a:fontRef idx="minor">
-            <a:schemeClr val="lt1"/>
-          </a:fontRef>
-        </p:style>
-        <p:txBody>
-          <a:bodyPr rot="0" spcFirstLastPara="0" vertOverflow="overflow" horzOverflow="overflow" vert="horz" wrap="square" lIns="91440" tIns="45720" rIns="91440" bIns="45720" numCol="1" spcCol="0" rtlCol="0" fromWordArt="0" anchor="ctr" anchorCtr="0" forceAA="0" compatLnSpc="1">
-            <a:prstTxWarp prst="textNoShape">
-              <a:avLst/>
-            </a:prstTxWarp>
-            <a:noAutofit/>
-          </a:bodyPr>
-          <a:lstStyle/>
-          <a:p>
-            <a:pPr algn="ctr"/>
-            <a:r>
-              <a:rPr lang="hu-HU" sz="2400" dirty="0" smtClean="0">
-                <a:solidFill>
-                  <a:schemeClr val="tx2"/>
-                </a:solidFill>
-              </a:rPr>
-              <a:t>Viselkedési modell</a:t>
-            </a:r>
-            <a:endParaRPr lang="en-US" sz="2400" dirty="0" err="1">
-              <a:solidFill>
-                <a:schemeClr val="tx2"/>
-              </a:solidFill>
-            </a:endParaRPr>
-          </a:p>
-        </p:txBody>
-      </p:sp>
-      <p:sp>
-        <p:nvSpPr>
-          <p:cNvPr id="7" name="Lekerekített téglalap 6"/>
-          <p:cNvSpPr/>
-          <p:nvPr/>
-        </p:nvSpPr>
-        <p:spPr>
-          <a:xfrm>
-            <a:off x="5637125" y="5137896"/>
-            <a:ext cx="3245618" cy="924448"/>
-          </a:xfrm>
-          <a:prstGeom prst="roundRect">
-            <a:avLst/>
-          </a:prstGeom>
-          <a:solidFill>
-            <a:schemeClr val="bg2"/>
-          </a:solidFill>
-          <a:ln w="38100">
-            <a:solidFill>
-              <a:schemeClr val="accent1"/>
-            </a:solidFill>
-          </a:ln>
-          <a:effectLst>
-            <a:outerShdw blurRad="50800" dist="38100" dir="5400000" algn="t" rotWithShape="0">
-              <a:prstClr val="black">
-                <a:alpha val="40000"/>
-              </a:prstClr>
-            </a:outerShdw>
-          </a:effectLst>
-        </p:spPr>
-        <p:style>
-          <a:lnRef idx="2">
-            <a:schemeClr val="accent4">
-              <a:shade val="50000"/>
-            </a:schemeClr>
-          </a:lnRef>
-          <a:fillRef idx="1">
-            <a:schemeClr val="accent4"/>
-          </a:fillRef>
-          <a:effectRef idx="0">
-            <a:schemeClr val="accent4"/>
-          </a:effectRef>
-          <a:fontRef idx="minor">
-            <a:schemeClr val="lt1"/>
-          </a:fontRef>
-        </p:style>
-        <p:txBody>
-          <a:bodyPr rot="0" spcFirstLastPara="0" vertOverflow="overflow" horzOverflow="overflow" vert="horz" wrap="square" lIns="91440" tIns="45720" rIns="91440" bIns="45720" numCol="1" spcCol="0" rtlCol="0" fromWordArt="0" anchor="ctr" anchorCtr="0" forceAA="0" compatLnSpc="1">
-            <a:prstTxWarp prst="textNoShape">
-              <a:avLst/>
-            </a:prstTxWarp>
-            <a:noAutofit/>
-          </a:bodyPr>
-          <a:lstStyle/>
-          <a:p>
-            <a:pPr algn="ctr"/>
-            <a:r>
-              <a:rPr lang="hu-HU" sz="2400" dirty="0" smtClean="0">
-                <a:solidFill>
-                  <a:schemeClr val="tx2"/>
-                </a:solidFill>
-              </a:rPr>
-              <a:t>Szimulációs modell</a:t>
-            </a:r>
-            <a:endParaRPr lang="en-US" sz="2400" dirty="0" err="1">
-              <a:solidFill>
-                <a:schemeClr val="tx2"/>
-              </a:solidFill>
-            </a:endParaRPr>
-          </a:p>
-        </p:txBody>
-      </p:sp>
-      <p:cxnSp>
-        <p:nvCxnSpPr>
-          <p:cNvPr id="11" name="Egyenes összekötő nyíllal 10"/>
-          <p:cNvCxnSpPr/>
-          <p:nvPr/>
-        </p:nvCxnSpPr>
-        <p:spPr>
-          <a:xfrm flipV="1">
-            <a:off x="2105130" y="2499017"/>
-            <a:ext cx="2456822" cy="2638879"/>
-          </a:xfrm>
-          <a:prstGeom prst="straightConnector1">
-            <a:avLst/>
-          </a:prstGeom>
-          <a:ln w="76200">
-            <a:prstDash val="dash"/>
-            <a:tailEnd type="triangle"/>
-          </a:ln>
-        </p:spPr>
-        <p:style>
-          <a:lnRef idx="1">
-            <a:schemeClr val="accent1"/>
-          </a:lnRef>
-          <a:fillRef idx="0">
-            <a:schemeClr val="accent1"/>
-          </a:fillRef>
-          <a:effectRef idx="0">
-            <a:schemeClr val="accent1"/>
-          </a:effectRef>
-          <a:fontRef idx="minor">
-            <a:schemeClr val="tx1"/>
-          </a:fontRef>
-        </p:style>
-      </p:cxnSp>
-      <p:cxnSp>
-        <p:nvCxnSpPr>
-          <p:cNvPr id="13" name="Egyenes összekötő nyíllal 12"/>
-          <p:cNvCxnSpPr/>
-          <p:nvPr/>
-        </p:nvCxnSpPr>
-        <p:spPr>
-          <a:xfrm flipH="1">
-            <a:off x="3727939" y="5600120"/>
-            <a:ext cx="1899138" cy="0"/>
-          </a:xfrm>
-          <a:prstGeom prst="straightConnector1">
-            <a:avLst/>
-          </a:prstGeom>
-          <a:ln w="76200">
-            <a:prstDash val="dash"/>
-            <a:tailEnd type="triangle"/>
-          </a:ln>
-        </p:spPr>
-        <p:style>
-          <a:lnRef idx="1">
-            <a:schemeClr val="accent1"/>
-          </a:lnRef>
-          <a:fillRef idx="0">
-            <a:schemeClr val="accent1"/>
-          </a:fillRef>
-          <a:effectRef idx="0">
-            <a:schemeClr val="accent1"/>
-          </a:effectRef>
-          <a:fontRef idx="minor">
-            <a:schemeClr val="tx1"/>
-          </a:fontRef>
-        </p:style>
-      </p:cxnSp>
-      <p:cxnSp>
-        <p:nvCxnSpPr>
-          <p:cNvPr id="16" name="Egyenes összekötő nyíllal 15"/>
-          <p:cNvCxnSpPr/>
-          <p:nvPr/>
-        </p:nvCxnSpPr>
-        <p:spPr>
-          <a:xfrm flipH="1" flipV="1">
-            <a:off x="4561952" y="2499017"/>
-            <a:ext cx="2687934" cy="2638879"/>
-          </a:xfrm>
-          <a:prstGeom prst="straightConnector1">
-            <a:avLst/>
-          </a:prstGeom>
-          <a:ln w="76200">
-            <a:prstDash val="dash"/>
-            <a:tailEnd type="triangle"/>
-          </a:ln>
-        </p:spPr>
-        <p:style>
-          <a:lnRef idx="1">
-            <a:schemeClr val="accent1"/>
-          </a:lnRef>
-          <a:fillRef idx="0">
-            <a:schemeClr val="accent1"/>
-          </a:fillRef>
-          <a:effectRef idx="0">
-            <a:schemeClr val="accent1"/>
-          </a:effectRef>
-          <a:fontRef idx="minor">
-            <a:schemeClr val="tx1"/>
-          </a:fontRef>
-        </p:style>
-      </p:cxnSp>
-    </p:spTree>
-    <p:extLst>
-      <p:ext uri="{BB962C8B-B14F-4D97-AF65-F5344CB8AC3E}">
-        <p14:creationId xmlns:p14="http://schemas.microsoft.com/office/powerpoint/2010/main" val="3512849334"/>
-      </p:ext>
-    </p:extLst>
-  </p:cSld>
-  <p:clrMapOvr>
-    <a:masterClrMapping/>
-  </p:clrMapOvr>
-  <p:timing>
-    <p:tnLst>
-      <p:par>
-        <p:cTn id="1" dur="indefinite" restart="never" nodeType="tmRoot"/>
-      </p:par>
-    </p:tnLst>
-  </p:timing>
-</p:sld>
-</file>
-
-<file path=ppt/slides/slide3.xml><?xml version="1.0" encoding="utf-8"?>
 <p:sld xmlns:a="http://schemas.openxmlformats.org/drawingml/2006/main" xmlns:r="http://schemas.openxmlformats.org/officeDocument/2006/relationships" xmlns:p="http://schemas.openxmlformats.org/presentationml/2006/main">
   <p:cSld>
     <p:spTree>
@@ -6069,7 +5597,7 @@
 </p:sld>
 </file>
 
-<file path=ppt/slides/slide4.xml><?xml version="1.0" encoding="utf-8"?>
+<file path=ppt/slides/slide3.xml><?xml version="1.0" encoding="utf-8"?>
 <p:sld xmlns:a="http://schemas.openxmlformats.org/drawingml/2006/main" xmlns:r="http://schemas.openxmlformats.org/officeDocument/2006/relationships" xmlns:p="http://schemas.openxmlformats.org/presentationml/2006/main">
   <p:cSld>
     <p:spTree>
@@ -6234,7 +5762,7 @@
 </p:sld>
 </file>
 
-<file path=ppt/slides/slide5.xml><?xml version="1.0" encoding="utf-8"?>
+<file path=ppt/slides/slide4.xml><?xml version="1.0" encoding="utf-8"?>
 <p:sld xmlns:a="http://schemas.openxmlformats.org/drawingml/2006/main" xmlns:r="http://schemas.openxmlformats.org/officeDocument/2006/relationships" xmlns:p="http://schemas.openxmlformats.org/presentationml/2006/main">
   <p:cSld>
     <p:spTree>
@@ -6320,7 +5848,7 @@
 </p:sld>
 </file>
 
-<file path=ppt/slides/slide6.xml><?xml version="1.0" encoding="utf-8"?>
+<file path=ppt/slides/slide5.xml><?xml version="1.0" encoding="utf-8"?>
 <p:sld xmlns:a="http://schemas.openxmlformats.org/drawingml/2006/main" xmlns:r="http://schemas.openxmlformats.org/officeDocument/2006/relationships" xmlns:p="http://schemas.openxmlformats.org/presentationml/2006/main">
   <p:cSld>
     <p:spTree>
@@ -6452,7 +5980,7 @@
 </p:sld>
 </file>
 
-<file path=ppt/slides/slide7.xml><?xml version="1.0" encoding="utf-8"?>
+<file path=ppt/slides/slide6.xml><?xml version="1.0" encoding="utf-8"?>
 <p:sld xmlns:a="http://schemas.openxmlformats.org/drawingml/2006/main" xmlns:r="http://schemas.openxmlformats.org/officeDocument/2006/relationships" xmlns:p="http://schemas.openxmlformats.org/presentationml/2006/main">
   <p:cSld>
     <p:spTree>
@@ -6576,7 +6104,7 @@
 </p:sld>
 </file>
 
-<file path=ppt/slides/slide8.xml><?xml version="1.0" encoding="utf-8"?>
+<file path=ppt/slides/slide7.xml><?xml version="1.0" encoding="utf-8"?>
 <p:sld xmlns:a="http://schemas.openxmlformats.org/drawingml/2006/main" xmlns:r="http://schemas.openxmlformats.org/officeDocument/2006/relationships" xmlns:p="http://schemas.openxmlformats.org/presentationml/2006/main">
   <p:cSld>
     <p:spTree>

--- a/Presentations/02/mdsd2.pptx
+++ b/Presentations/02/mdsd2.pptx
@@ -6,19 +6,20 @@
     <p:sldMasterId id="2147483655" r:id="rId2"/>
   </p:sldMasterIdLst>
   <p:notesMasterIdLst>
-    <p:notesMasterId r:id="rId10"/>
+    <p:notesMasterId r:id="rId11"/>
   </p:notesMasterIdLst>
   <p:handoutMasterIdLst>
-    <p:handoutMasterId r:id="rId11"/>
+    <p:handoutMasterId r:id="rId12"/>
   </p:handoutMasterIdLst>
   <p:sldIdLst>
     <p:sldId id="256" r:id="rId3"/>
     <p:sldId id="272" r:id="rId4"/>
     <p:sldId id="271" r:id="rId5"/>
-    <p:sldId id="273" r:id="rId6"/>
-    <p:sldId id="265" r:id="rId7"/>
-    <p:sldId id="269" r:id="rId8"/>
-    <p:sldId id="274" r:id="rId9"/>
+    <p:sldId id="275" r:id="rId6"/>
+    <p:sldId id="273" r:id="rId7"/>
+    <p:sldId id="265" r:id="rId8"/>
+    <p:sldId id="269" r:id="rId9"/>
+    <p:sldId id="274" r:id="rId10"/>
   </p:sldIdLst>
   <p:sldSz cx="9144000" cy="6858000" type="screen4x3"/>
   <p:notesSz cx="6858000" cy="9144000"/>
@@ -5803,6 +5804,88 @@
         </p:blipFill>
         <p:spPr>
           <a:xfrm>
+            <a:off x="142875" y="1327349"/>
+            <a:ext cx="8858250" cy="4589065"/>
+          </a:xfrm>
+        </p:spPr>
+      </p:pic>
+      <p:sp>
+        <p:nvSpPr>
+          <p:cNvPr id="3" name="Cím 2"/>
+          <p:cNvSpPr>
+            <a:spLocks noGrp="1"/>
+          </p:cNvSpPr>
+          <p:nvPr>
+            <p:ph type="title"/>
+          </p:nvPr>
+        </p:nvSpPr>
+        <p:spPr/>
+        <p:txBody>
+          <a:bodyPr/>
+          <a:lstStyle/>
+          <a:p>
+            <a:r>
+              <a:rPr lang="hu-HU" dirty="0" smtClean="0"/>
+              <a:t>Példánymodell – Struktúra 2</a:t>
+            </a:r>
+            <a:endParaRPr lang="en-US" dirty="0"/>
+          </a:p>
+        </p:txBody>
+      </p:sp>
+    </p:spTree>
+    <p:extLst>
+      <p:ext uri="{BB962C8B-B14F-4D97-AF65-F5344CB8AC3E}">
+        <p14:creationId xmlns:p14="http://schemas.microsoft.com/office/powerpoint/2010/main" val="3175199590"/>
+      </p:ext>
+    </p:extLst>
+  </p:cSld>
+  <p:clrMapOvr>
+    <a:masterClrMapping/>
+  </p:clrMapOvr>
+</p:sld>
+</file>
+
+<file path=ppt/slides/slide5.xml><?xml version="1.0" encoding="utf-8"?>
+<p:sld xmlns:a="http://schemas.openxmlformats.org/drawingml/2006/main" xmlns:r="http://schemas.openxmlformats.org/officeDocument/2006/relationships" xmlns:p="http://schemas.openxmlformats.org/presentationml/2006/main">
+  <p:cSld>
+    <p:spTree>
+      <p:nvGrpSpPr>
+        <p:cNvPr id="1" name=""/>
+        <p:cNvGrpSpPr/>
+        <p:nvPr/>
+      </p:nvGrpSpPr>
+      <p:grpSpPr>
+        <a:xfrm>
+          <a:off x="0" y="0"/>
+          <a:ext cx="0" cy="0"/>
+          <a:chOff x="0" y="0"/>
+          <a:chExt cx="0" cy="0"/>
+        </a:xfrm>
+      </p:grpSpPr>
+      <p:pic>
+        <p:nvPicPr>
+          <p:cNvPr id="4" name="Tartalom helye 3"/>
+          <p:cNvPicPr>
+            <a:picLocks noGrp="1" noChangeAspect="1"/>
+          </p:cNvPicPr>
+          <p:nvPr>
+            <p:ph idx="1"/>
+          </p:nvPr>
+        </p:nvPicPr>
+        <p:blipFill>
+          <a:blip r:embed="rId2">
+            <a:extLst>
+              <a:ext uri="{28A0092B-C50C-407E-A947-70E740481C1C}">
+                <a14:useLocalDpi xmlns:a14="http://schemas.microsoft.com/office/drawing/2010/main" val="0"/>
+              </a:ext>
+            </a:extLst>
+          </a:blip>
+          <a:stretch>
+            <a:fillRect/>
+          </a:stretch>
+        </p:blipFill>
+        <p:spPr>
+          <a:xfrm>
             <a:off x="1974830" y="857250"/>
             <a:ext cx="5194340" cy="5529263"/>
           </a:xfrm>
@@ -5848,7 +5931,7 @@
 </p:sld>
 </file>
 
-<file path=ppt/slides/slide5.xml><?xml version="1.0" encoding="utf-8"?>
+<file path=ppt/slides/slide6.xml><?xml version="1.0" encoding="utf-8"?>
 <p:sld xmlns:a="http://schemas.openxmlformats.org/drawingml/2006/main" xmlns:r="http://schemas.openxmlformats.org/officeDocument/2006/relationships" xmlns:p="http://schemas.openxmlformats.org/presentationml/2006/main">
   <p:cSld>
     <p:spTree>
@@ -5980,7 +6063,7 @@
 </p:sld>
 </file>
 
-<file path=ppt/slides/slide6.xml><?xml version="1.0" encoding="utf-8"?>
+<file path=ppt/slides/slide7.xml><?xml version="1.0" encoding="utf-8"?>
 <p:sld xmlns:a="http://schemas.openxmlformats.org/drawingml/2006/main" xmlns:r="http://schemas.openxmlformats.org/officeDocument/2006/relationships" xmlns:p="http://schemas.openxmlformats.org/presentationml/2006/main">
   <p:cSld>
     <p:spTree>
@@ -6104,7 +6187,7 @@
 </p:sld>
 </file>
 
-<file path=ppt/slides/slide7.xml><?xml version="1.0" encoding="utf-8"?>
+<file path=ppt/slides/slide8.xml><?xml version="1.0" encoding="utf-8"?>
 <p:sld xmlns:a="http://schemas.openxmlformats.org/drawingml/2006/main" xmlns:r="http://schemas.openxmlformats.org/officeDocument/2006/relationships" xmlns:p="http://schemas.openxmlformats.org/presentationml/2006/main">
   <p:cSld>
     <p:spTree>
